--- a/画图.pptx
+++ b/画图.pptx
@@ -258,7 +258,7 @@
           <a:p>
             <a:fld id="{8068046E-DDD8-465B-AEEE-19D1B6A89B23}" type="datetimeFigureOut">
               <a:rPr lang="zh-CN" altLang="en-US" smtClean="0"/>
-              <a:t>2017/3/26</a:t>
+              <a:t>2017/5/15</a:t>
             </a:fld>
             <a:endParaRPr lang="zh-CN" altLang="en-US"/>
           </a:p>
@@ -428,7 +428,7 @@
           <a:p>
             <a:fld id="{8068046E-DDD8-465B-AEEE-19D1B6A89B23}" type="datetimeFigureOut">
               <a:rPr lang="zh-CN" altLang="en-US" smtClean="0"/>
-              <a:t>2017/3/26</a:t>
+              <a:t>2017/5/15</a:t>
             </a:fld>
             <a:endParaRPr lang="zh-CN" altLang="en-US"/>
           </a:p>
@@ -608,7 +608,7 @@
           <a:p>
             <a:fld id="{8068046E-DDD8-465B-AEEE-19D1B6A89B23}" type="datetimeFigureOut">
               <a:rPr lang="zh-CN" altLang="en-US" smtClean="0"/>
-              <a:t>2017/3/26</a:t>
+              <a:t>2017/5/15</a:t>
             </a:fld>
             <a:endParaRPr lang="zh-CN" altLang="en-US"/>
           </a:p>
@@ -778,7 +778,7 @@
           <a:p>
             <a:fld id="{8068046E-DDD8-465B-AEEE-19D1B6A89B23}" type="datetimeFigureOut">
               <a:rPr lang="zh-CN" altLang="en-US" smtClean="0"/>
-              <a:t>2017/3/26</a:t>
+              <a:t>2017/5/15</a:t>
             </a:fld>
             <a:endParaRPr lang="zh-CN" altLang="en-US"/>
           </a:p>
@@ -1024,7 +1024,7 @@
           <a:p>
             <a:fld id="{8068046E-DDD8-465B-AEEE-19D1B6A89B23}" type="datetimeFigureOut">
               <a:rPr lang="zh-CN" altLang="en-US" smtClean="0"/>
-              <a:t>2017/3/26</a:t>
+              <a:t>2017/5/15</a:t>
             </a:fld>
             <a:endParaRPr lang="zh-CN" altLang="en-US"/>
           </a:p>
@@ -1256,7 +1256,7 @@
           <a:p>
             <a:fld id="{8068046E-DDD8-465B-AEEE-19D1B6A89B23}" type="datetimeFigureOut">
               <a:rPr lang="zh-CN" altLang="en-US" smtClean="0"/>
-              <a:t>2017/3/26</a:t>
+              <a:t>2017/5/15</a:t>
             </a:fld>
             <a:endParaRPr lang="zh-CN" altLang="en-US"/>
           </a:p>
@@ -1623,7 +1623,7 @@
           <a:p>
             <a:fld id="{8068046E-DDD8-465B-AEEE-19D1B6A89B23}" type="datetimeFigureOut">
               <a:rPr lang="zh-CN" altLang="en-US" smtClean="0"/>
-              <a:t>2017/3/26</a:t>
+              <a:t>2017/5/15</a:t>
             </a:fld>
             <a:endParaRPr lang="zh-CN" altLang="en-US"/>
           </a:p>
@@ -1741,7 +1741,7 @@
           <a:p>
             <a:fld id="{8068046E-DDD8-465B-AEEE-19D1B6A89B23}" type="datetimeFigureOut">
               <a:rPr lang="zh-CN" altLang="en-US" smtClean="0"/>
-              <a:t>2017/3/26</a:t>
+              <a:t>2017/5/15</a:t>
             </a:fld>
             <a:endParaRPr lang="zh-CN" altLang="en-US"/>
           </a:p>
@@ -1836,7 +1836,7 @@
           <a:p>
             <a:fld id="{8068046E-DDD8-465B-AEEE-19D1B6A89B23}" type="datetimeFigureOut">
               <a:rPr lang="zh-CN" altLang="en-US" smtClean="0"/>
-              <a:t>2017/3/26</a:t>
+              <a:t>2017/5/15</a:t>
             </a:fld>
             <a:endParaRPr lang="zh-CN" altLang="en-US"/>
           </a:p>
@@ -2113,7 +2113,7 @@
           <a:p>
             <a:fld id="{8068046E-DDD8-465B-AEEE-19D1B6A89B23}" type="datetimeFigureOut">
               <a:rPr lang="zh-CN" altLang="en-US" smtClean="0"/>
-              <a:t>2017/3/26</a:t>
+              <a:t>2017/5/15</a:t>
             </a:fld>
             <a:endParaRPr lang="zh-CN" altLang="en-US"/>
           </a:p>
@@ -2366,7 +2366,7 @@
           <a:p>
             <a:fld id="{8068046E-DDD8-465B-AEEE-19D1B6A89B23}" type="datetimeFigureOut">
               <a:rPr lang="zh-CN" altLang="en-US" smtClean="0"/>
-              <a:t>2017/3/26</a:t>
+              <a:t>2017/5/15</a:t>
             </a:fld>
             <a:endParaRPr lang="zh-CN" altLang="en-US"/>
           </a:p>
@@ -2579,7 +2579,7 @@
           <a:p>
             <a:fld id="{8068046E-DDD8-465B-AEEE-19D1B6A89B23}" type="datetimeFigureOut">
               <a:rPr lang="zh-CN" altLang="en-US" smtClean="0"/>
-              <a:t>2017/3/26</a:t>
+              <a:t>2017/5/15</a:t>
             </a:fld>
             <a:endParaRPr lang="zh-CN" altLang="en-US"/>
           </a:p>
@@ -4591,12 +4591,12 @@
             <a:p>
               <a:pPr algn="ctr"/>
               <a:r>
-                <a:rPr lang="en-US" altLang="zh-CN" sz="1400" dirty="0" err="1" smtClean="0">
+                <a:rPr lang="en-US" altLang="zh-CN" sz="1400" dirty="0" smtClean="0">
                   <a:solidFill>
                     <a:schemeClr val="tx1"/>
                   </a:solidFill>
                 </a:rPr>
-                <a:t>celll</a:t>
+                <a:t>cell</a:t>
               </a:r>
               <a:endParaRPr lang="zh-CN" altLang="en-US" sz="1400" dirty="0">
                 <a:solidFill>
